--- a/lectures/lecture-03/Lecture 03 - Lecture.pptx
+++ b/lectures/lecture-03/Lecture 03 - Lecture.pptx
@@ -1407,199 +1407,6 @@
 </inkml:ink>
 </file>
 
-<file path=ppt/ink/ink44.xml><?xml version="1.0" encoding="utf-8"?>
-<inkml:ink xmlns:inkml="http://www.w3.org/2003/InkML">
-  <inkml:definitions>
-    <inkml:context xml:id="ctx0">
-      <inkml:inkSource xml:id="inkSrc0">
-        <inkml:traceFormat>
-          <inkml:channel name="X" type="integer" min="-2.14748E9" max="2.14748E9" units="cm"/>
-          <inkml:channel name="Y" type="integer" min="-2.14748E9" max="2.14748E9" units="cm"/>
-          <inkml:channel name="F" type="integer" max="32767" units="dev"/>
-          <inkml:channel name="OA" type="integer" max="360" units="deg"/>
-          <inkml:channel name="OE" type="integer" max="90" units="deg"/>
-        </inkml:traceFormat>
-        <inkml:channelProperties>
-          <inkml:channelProperty channel="X" name="resolution" value="1000" units="1/cm"/>
-          <inkml:channelProperty channel="Y" name="resolution" value="1000" units="1/cm"/>
-          <inkml:channelProperty channel="F" name="resolution" value="0" units="1/dev"/>
-          <inkml:channelProperty channel="OA" name="resolution" value="1000" units="1/deg"/>
-          <inkml:channelProperty channel="OE" name="resolution" value="1000" units="1/deg"/>
-        </inkml:channelProperties>
-      </inkml:inkSource>
-      <inkml:timestamp xml:id="ts0" timeString="2021-04-07T16:43:03.143"/>
-    </inkml:context>
-    <inkml:brush xml:id="br0">
-      <inkml:brushProperty name="width" value="0.05" units="cm"/>
-      <inkml:brushProperty name="height" value="0.05" units="cm"/>
-      <inkml:brushProperty name="color" value="#E71224"/>
-    </inkml:brush>
-  </inkml:definitions>
-  <inkml:trace contextRef="#ctx0" brushRef="#br0">512 938 7112 0 0,'0'0'644'0'0,"9"14"12023"0"0,-15-21-9294 0 0,-18-27-3027 0 0,17 25 967 0 0,-18-23-243 0 0,10 13-562 0 0,1-1 0 0 0,-12-21 1 0 0,11 12-211 0 0,1 0-1 0 0,-19-58 1 0 0,5-28 3 0 0,18 64-194 0 0,-8-61 49 0 0,14 76-137 0 0,0-2 0 0 0,1 1 0 0 0,3-45 0 0 0,1 63-6 0 0,1 1 0 0 0,1 1-1 0 0,1-1 1 0 0,9-27 0 0 0,-12 41-13 0 0,1 1 0 0 0,-1-1 0 0 0,1 1 0 0 0,0 0 0 0 0,0 0 0 0 0,1 0 0 0 0,-1 0 0 0 0,1 0 0 0 0,-1 0 0 0 0,1 1 0 0 0,0-1 0 0 0,0 1 0 0 0,0 0 0 0 0,0 0 0 0 0,0 0 0 0 0,1 0 0 0 0,-1 0 0 0 0,1 1 0 0 0,-1-1 0 0 0,1 1 0 0 0,-1 0 0 0 0,1 0 0 0 0,0 1 0 0 0,-1-1 0 0 0,1 1 0 0 0,0-1 0 0 0,0 1 0 0 0,0 1 0 0 0,-1-1 0 0 0,1 0 0 0 0,0 1 0 0 0,6 1 0 0 0,3 3 0 0 0,4 0 0 0 0,0 1 0 0 0,18 10 0 0 0,-29-13 0 0 0,-1 1 0 0 0,1-1 0 0 0,-1 1 0 0 0,0 0 0 0 0,0 1 0 0 0,0-1 0 0 0,-1 1 0 0 0,0 0 0 0 0,7 8 0 0 0,-4-2 0 0 0,0 1 0 0 0,0-1 0 0 0,-1 1 0 0 0,-1 0 0 0 0,0 0 0 0 0,-1 1 0 0 0,0 0 0 0 0,0-1 0 0 0,-2 1 0 0 0,1 1 0 0 0,-1 14 0 0 0,-3-8 0 0 0,0 1 0 0 0,-2-1 0 0 0,-1 0 0 0 0,0 0 0 0 0,-2 0 0 0 0,-10 26 0 0 0,1-11 0 0 0,-1 0 0 0 0,-32 48 0 0 0,33-58-42 0 0,-3 0 0 0 0,0-2 0 0 0,-1 0 0 0 0,-25 24 0 0 0,33-38 19 0 0,0 0 0 0 0,0 0 0 0 0,-1-1 0 0 0,0-1 0 0 0,0 0 0 0 0,-1 0-1 0 0,0-1 1 0 0,0-1 0 0 0,-1 0 0 0 0,-25 5 0 0 0,23-7-27 0 0,0 0 0 0 0,0-2-1 0 0,-1 0 1 0 0,1 0 0 0 0,-1-2-1 0 0,-31-4 1 0 0,43 4 50 0 0,1-1 1 0 0,0 1-1 0 0,0-1 0 0 0,0 0 0 0 0,0 0 0 0 0,0 0 1 0 0,0 0-1 0 0,0-1 0 0 0,0 1 0 0 0,1-1 0 0 0,0 0 1 0 0,-4-4-1 0 0,6 5 5 0 0,0 1 0 0 0,0 0 0 0 0,0 0 1 0 0,0 0-1 0 0,1-1 0 0 0,-1 1 0 0 0,0 0 0 0 0,1-1 1 0 0,-1 1-1 0 0,1 0 0 0 0,0-1 0 0 0,-1 1 0 0 0,1-1 1 0 0,0 1-1 0 0,0-1 0 0 0,0 1 0 0 0,0-1 0 0 0,0 1 1 0 0,0-1-1 0 0,0 1 0 0 0,1 0 0 0 0,-1-1 0 0 0,0 1 1 0 0,1-1-1 0 0,-1 1 0 0 0,1 0 0 0 0,0-1 0 0 0,-1 1 1 0 0,1 0-1 0 0,0 0 0 0 0,0-1 0 0 0,0 1 0 0 0,0 0 1 0 0,0 0-1 0 0,0 0 0 0 0,0 0 0 0 0,0 0 1 0 0,0 0-1 0 0,0 1 0 0 0,2-2 0 0 0,4-3 8 0 0,1 0-1 0 0,-1 1 1 0 0,1 0 0 0 0,0 1-1 0 0,0-1 1 0 0,0 1-1 0 0,1 1 1 0 0,-1 0 0 0 0,1 0-1 0 0,-1 1 1 0 0,1 0-1 0 0,10 0 1 0 0,-8 1 3 0 0,1 0-1 0 0,0 1 1 0 0,-1 0-1 0 0,1 1 1 0 0,-1 1-1 0 0,1 0 1 0 0,-1 0 0 0 0,17 8-1 0 0,88 54 98 0 0,-85-47-98 0 0,-11-6-950 0 0,1-1 0 0 0,0-1 0 0 0,1-1 0 0 0,35 10 1 0 0,-35-15-1048 0 0</inkml:trace>
-</inkml:ink>
-</file>
-
-<file path=ppt/ink/ink45.xml><?xml version="1.0" encoding="utf-8"?>
-<inkml:ink xmlns:inkml="http://www.w3.org/2003/InkML">
-  <inkml:definitions>
-    <inkml:context xml:id="ctx0">
-      <inkml:inkSource xml:id="inkSrc0">
-        <inkml:traceFormat>
-          <inkml:channel name="X" type="integer" min="-2.14748E9" max="2.14748E9" units="cm"/>
-          <inkml:channel name="Y" type="integer" min="-2.14748E9" max="2.14748E9" units="cm"/>
-          <inkml:channel name="F" type="integer" max="32767" units="dev"/>
-          <inkml:channel name="OA" type="integer" max="360" units="deg"/>
-          <inkml:channel name="OE" type="integer" max="90" units="deg"/>
-        </inkml:traceFormat>
-        <inkml:channelProperties>
-          <inkml:channelProperty channel="X" name="resolution" value="1000" units="1/cm"/>
-          <inkml:channelProperty channel="Y" name="resolution" value="1000" units="1/cm"/>
-          <inkml:channelProperty channel="F" name="resolution" value="0" units="1/dev"/>
-          <inkml:channelProperty channel="OA" name="resolution" value="1000" units="1/deg"/>
-          <inkml:channelProperty channel="OE" name="resolution" value="1000" units="1/deg"/>
-        </inkml:channelProperties>
-      </inkml:inkSource>
-      <inkml:timestamp xml:id="ts0" timeString="2021-04-07T16:43:03.879"/>
-    </inkml:context>
-    <inkml:brush xml:id="br0">
-      <inkml:brushProperty name="width" value="0.05" units="cm"/>
-      <inkml:brushProperty name="height" value="0.05" units="cm"/>
-      <inkml:brushProperty name="color" value="#E71224"/>
-    </inkml:brush>
-  </inkml:definitions>
-  <inkml:trace contextRef="#ctx0" brushRef="#br0">273 729 7344 0 0,'0'1'301'0'0,"-1"0"0"0"0,1 0 0 0 0,-1 1 0 0 0,1-1 1 0 0,-1 0-1 0 0,1 1 0 0 0,0-1 0 0 0,0 1 0 0 0,0-1 1 0 0,0 0-1 0 0,0 1 0 0 0,0-1 0 0 0,0 1 0 0 0,1-1 0 0 0,-1 0 1 0 0,0 1-1 0 0,1-1 0 0 0,-1 0 0 0 0,1 1 0 0 0,1 1 0 0 0,2 18 6548 0 0,-4-21-6772 0 0,0 0 0 0 0,0 0-1 0 0,0 0 1 0 0,0 0 0 0 0,0 1-1 0 0,0-1 1 0 0,0 0 0 0 0,0 0 0 0 0,-1 0-1 0 0,1 0 1 0 0,0 1 0 0 0,0-1-1 0 0,0 0 1 0 0,0 0 0 0 0,0 0-1 0 0,0 0 1 0 0,0 0 0 0 0,0 1-1 0 0,-1-1 1 0 0,1 0 0 0 0,0 0-1 0 0,0 0 1 0 0,0 0 0 0 0,0 0-1 0 0,0 0 1 0 0,-1 0 0 0 0,1 0-1 0 0,0 0 1 0 0,0 0 0 0 0,0 0-1 0 0,0 0 1 0 0,-1 1 0 0 0,1-1-1 0 0,0 0 1 0 0,0 0 0 0 0,0 0 0 0 0,0 0-1 0 0,-1 0 1 0 0,1-1 0 0 0,0 1-1 0 0,0 0 1 0 0,0 0 0 0 0,-1 0-1 0 0,-2-2 146 0 0,0 0 0 0 0,-1-1 0 0 0,1 1 0 0 0,0-1 0 0 0,1 0 0 0 0,-1 0 0 0 0,0 0 0 0 0,1 0 0 0 0,0 0 0 0 0,-1 0 0 0 0,-1-4 0 0 0,-2-4 222 0 0,-3-2 13 0 0,-13-28 0 0 0,10 18-291 0 0,-54-124-507 0 0,49 106 469 0 0,-3-9 57 0 0,2-1 0 0 0,2 0 1 0 0,-13-79-1 0 0,27 113-190 0 0,1 0-1 0 0,1 1 1 0 0,0-1-1 0 0,1 0 1 0 0,1 1-1 0 0,6-24 0 0 0,-7 37-24 0 0,0 1-1 0 0,0 0 0 0 0,0 0 0 0 0,0-1 0 0 0,0 1 0 0 0,1 0 0 0 0,-1 0 0 0 0,1 0 0 0 0,-1 0 0 0 0,1 1 0 0 0,0-1 0 0 0,0 0 1 0 0,0 1-1 0 0,0-1 0 0 0,0 1 0 0 0,0-1 0 0 0,0 1 0 0 0,1 0 0 0 0,-1 0 0 0 0,0 0 0 0 0,1 0 0 0 0,2 0 0 0 0,4-1 138 0 0,-1 0-1 0 0,1 0 0 0 0,0 1 0 0 0,18-1 0 0 0,-17 2-101 0 0,0 1-1 0 0,1 0 0 0 0,-1 0 0 0 0,0 1 0 0 0,0 0 1 0 0,0 1-1 0 0,0 0 0 0 0,15 8 0 0 0,-19-8-4 0 0,1 0 0 0 0,-2 1 0 0 0,1 0-1 0 0,0 0 1 0 0,-1 1 0 0 0,0-1 0 0 0,0 1-1 0 0,0 1 1 0 0,0-1 0 0 0,-1 1 0 0 0,0-1 0 0 0,0 1-1 0 0,5 10 1 0 0,-4-3 2 0 0,-1-1-1 0 0,0 1 1 0 0,0-1 0 0 0,-1 1-1 0 0,-1 0 1 0 0,0 1-1 0 0,-1-1 1 0 0,0 0 0 0 0,-1 0-1 0 0,-1 0 1 0 0,-2 14-1 0 0,0-7-35 0 0,-1-1-1 0 0,-1 0 1 0 0,-1 0-1 0 0,0 0 1 0 0,-2 0-1 0 0,-17 30 0 0 0,19-39-67 0 0,-1 0 0 0 0,0 0-1 0 0,-1-1 1 0 0,0 1 0 0 0,-1-2-1 0 0,0 1 1 0 0,0-1 0 0 0,-1-1-1 0 0,0 1 1 0 0,0-2 0 0 0,-18 9-1 0 0,13-8 32 0 0,0-1-1 0 0,0 0 1 0 0,0-2 0 0 0,0 1-1 0 0,-1-2 1 0 0,0 0 0 0 0,0-1-1 0 0,-22 0 1 0 0,37-2 402 0 0,2-1-268 0 0,0 0 1 0 0,0 0 0 0 0,1 1 0 0 0,-1-1 0 0 0,0 0 0 0 0,0 1 0 0 0,0-1 0 0 0,0 1 0 0 0,1-1 0 0 0,-1 1 0 0 0,0 0 0 0 0,1 0 0 0 0,-1-1-1 0 0,0 1 1 0 0,0 0 0 0 0,1 0 0 0 0,0 0 0 0 0,88-1 392 0 0,-32-1-446 0 0,-1 2 0 0 0,60 8-1 0 0,9 20-3099 0 0,-93-18 931 0 0</inkml:trace>
-</inkml:ink>
-</file>
-
-<file path=ppt/ink/ink46.xml><?xml version="1.0" encoding="utf-8"?>
-<inkml:ink xmlns:inkml="http://www.w3.org/2003/InkML">
-  <inkml:definitions>
-    <inkml:context xml:id="ctx0">
-      <inkml:inkSource xml:id="inkSrc0">
-        <inkml:traceFormat>
-          <inkml:channel name="X" type="integer" min="-2.14748E9" max="2.14748E9" units="cm"/>
-          <inkml:channel name="Y" type="integer" min="-2.14748E9" max="2.14748E9" units="cm"/>
-          <inkml:channel name="F" type="integer" max="32767" units="dev"/>
-          <inkml:channel name="OA" type="integer" max="360" units="deg"/>
-          <inkml:channel name="OE" type="integer" max="90" units="deg"/>
-        </inkml:traceFormat>
-        <inkml:channelProperties>
-          <inkml:channelProperty channel="X" name="resolution" value="1000" units="1/cm"/>
-          <inkml:channelProperty channel="Y" name="resolution" value="1000" units="1/cm"/>
-          <inkml:channelProperty channel="F" name="resolution" value="0" units="1/dev"/>
-          <inkml:channelProperty channel="OA" name="resolution" value="1000" units="1/deg"/>
-          <inkml:channelProperty channel="OE" name="resolution" value="1000" units="1/deg"/>
-        </inkml:channelProperties>
-      </inkml:inkSource>
-      <inkml:timestamp xml:id="ts0" timeString="2021-04-07T16:43:08.404"/>
-    </inkml:context>
-    <inkml:brush xml:id="br0">
-      <inkml:brushProperty name="width" value="0.05" units="cm"/>
-      <inkml:brushProperty name="height" value="0.05" units="cm"/>
-      <inkml:brushProperty name="color" value="#E71224"/>
-    </inkml:brush>
-  </inkml:definitions>
-  <inkml:trace contextRef="#ctx0" brushRef="#br0">12 196 3680 0 0,'-3'-6'573'0'0,"1"0"0"0"0,1-1 1 0 0,-2-8-1 0 0,1-2 2327 0 0,2 0 1 0 0,0 1-1 0 0,3-18 0 0 0,-1-16-532 0 0,4 23-347 0 0,-6 26-1461 0 0,3 9-420 0 0,1 1-114 0 0,0 1-1 0 0,-1 0 0 0 0,0 0 1 0 0,0 0-1 0 0,-1 1 0 0 0,1 17 1 0 0,-1-8-12 0 0,16 156 383 0 0,-9-78-168 0 0,-6-55-21 0 0,8 51 520 0 0,-9-83-538 0 0,0 0-1 0 0,1 0 0 0 0,1 0 1 0 0,-1-1-1 0 0,2 0 1 0 0,6 12-1 0 0,-11-22-178 0 0,1 1-1 0 0,-1-1 1 0 0,1 0-1 0 0,-1 0 0 0 0,1 0 1 0 0,-1 0-1 0 0,0 0 1 0 0,1 0-1 0 0,-1 0 1 0 0,1 0-1 0 0,-1 0 1 0 0,1-1-1 0 0,-1 1 1 0 0,1 0-1 0 0,-1 0 0 0 0,0 0 1 0 0,1 0-1 0 0,-1-1 1 0 0,1 1-1 0 0,-1 0 1 0 0,0 0-1 0 0,1-1 1 0 0,-1 1-1 0 0,10-8 115 0 0,9-15 92 0 0,-8 8-97 0 0,1 1 0 0 0,27-26-1 0 0,-35 37-86 0 0,-1 0 0 0 0,1 1 0 0 0,0-1 0 0 0,0 1 0 0 0,-1-1 0 0 0,2 1-1 0 0,-1 0 1 0 0,0 1 0 0 0,0-1 0 0 0,1 1 0 0 0,-1 0 0 0 0,0 0 0 0 0,1 0 0 0 0,-1 1 0 0 0,1-1-1 0 0,0 1 1 0 0,6 1 0 0 0,-10-1-18 0 0,1 0-1 0 0,0 0 1 0 0,-1 1 0 0 0,1-1-1 0 0,0 1 1 0 0,-1-1-1 0 0,1 1 1 0 0,-1 0 0 0 0,1-1-1 0 0,-1 1 1 0 0,1 0-1 0 0,-1 0 1 0 0,1 0 0 0 0,-1 0-1 0 0,0 0 1 0 0,0 1-1 0 0,1-1 1 0 0,-1 0 0 0 0,1 3-1 0 0,-1-2-8 0 0,0 0 0 0 0,0 1 0 0 0,0-1-1 0 0,0 1 1 0 0,0-1 0 0 0,-1 1 0 0 0,0-1 0 0 0,1 1-1 0 0,-1-1 1 0 0,0 1 0 0 0,-1 4 0 0 0,0 2 0 0 0,-1 0 0 0 0,0 0 0 0 0,0-1 1 0 0,-1 1-1 0 0,0-1 0 0 0,-5 10 0 0 0,0-2 112 0 0,-1-1 0 0 0,-17 22-1 0 0,21-31-83 0 0,0 1 0 0 0,-1-1 0 0 0,0 0 0 0 0,0 0 0 0 0,-1-1 0 0 0,1 0 0 0 0,-12 7-1 0 0,14-11-31 0 0,0 1-1 0 0,-1 0 0 0 0,1-1 0 0 0,-1 0 0 0 0,0 0 0 0 0,1-1 0 0 0,-1 1 0 0 0,0-1 0 0 0,1 0 0 0 0,-8-1 0 0 0,11 1-68 0 0,-1 0 0 0 0,1 0-1 0 0,0 0 1 0 0,-1 0-1 0 0,1-1 1 0 0,-1 1 0 0 0,1 0-1 0 0,-1-1 1 0 0,1 1-1 0 0,0-1 1 0 0,-1 0 0 0 0,1 1-1 0 0,0-1 1 0 0,0 0-1 0 0,0 0 1 0 0,-1 0 0 0 0,1 0-1 0 0,0 0 1 0 0,0 0-1 0 0,0 0 1 0 0,0 0 0 0 0,1 0-1 0 0,-1-1 1 0 0,0 1-1 0 0,0 0 1 0 0,1 0 0 0 0,-1-1-1 0 0,1 1 1 0 0,-1 0-1 0 0,1-1 1 0 0,-1 1 0 0 0,1-1-1 0 0,0 1 1 0 0,0-1-1 0 0,0 1 1 0 0,0-1 0 0 0,0-1-1 0 0,0 1-342 0 0,1-1-1 0 0,0 1 0 0 0,0-1 1 0 0,0 1-1 0 0,0-1 1 0 0,0 1-1 0 0,0 0 1 0 0,2-3-1 0 0,8-10-5300 0 0,0 2-1362 0 0</inkml:trace>
-</inkml:ink>
-</file>
-
-<file path=ppt/ink/ink47.xml><?xml version="1.0" encoding="utf-8"?>
-<inkml:ink xmlns:inkml="http://www.w3.org/2003/InkML">
-  <inkml:definitions>
-    <inkml:context xml:id="ctx0">
-      <inkml:inkSource xml:id="inkSrc0">
-        <inkml:traceFormat>
-          <inkml:channel name="X" type="integer" min="-2.14748E9" max="2.14748E9" units="cm"/>
-          <inkml:channel name="Y" type="integer" min="-2.14748E9" max="2.14748E9" units="cm"/>
-          <inkml:channel name="F" type="integer" max="32767" units="dev"/>
-          <inkml:channel name="OA" type="integer" max="360" units="deg"/>
-          <inkml:channel name="OE" type="integer" max="90" units="deg"/>
-        </inkml:traceFormat>
-        <inkml:channelProperties>
-          <inkml:channelProperty channel="X" name="resolution" value="1000" units="1/cm"/>
-          <inkml:channelProperty channel="Y" name="resolution" value="1000" units="1/cm"/>
-          <inkml:channelProperty channel="F" name="resolution" value="0" units="1/dev"/>
-          <inkml:channelProperty channel="OA" name="resolution" value="1000" units="1/deg"/>
-          <inkml:channelProperty channel="OE" name="resolution" value="1000" units="1/deg"/>
-        </inkml:channelProperties>
-      </inkml:inkSource>
-      <inkml:timestamp xml:id="ts0" timeString="2021-04-07T16:43:08.788"/>
-    </inkml:context>
-    <inkml:brush xml:id="br0">
-      <inkml:brushProperty name="width" value="0.05" units="cm"/>
-      <inkml:brushProperty name="height" value="0.05" units="cm"/>
-      <inkml:brushProperty name="color" value="#E71224"/>
-    </inkml:brush>
-  </inkml:definitions>
-  <inkml:trace contextRef="#ctx0" brushRef="#br0">9 241 13680 0 0,'20'0'1480'0'0,"-16"-1"-1121"0"0,-1-1 0 0 0,1 1 0 0 0,-1 0 0 0 0,1-1 0 0 0,-1 0 0 0 0,0 0 0 0 0,1 0 0 0 0,-1 0 0 0 0,0 0 0 0 0,0-1 1 0 0,-1 1-1 0 0,1-1 0 0 0,0 0 0 0 0,3-5 0 0 0,1-1 300 0 0,-1-1 1 0 0,0 0-1 0 0,8-18 0 0 0,-8 15-293 0 0,-1 2-87 0 0,0 1-1 0 0,-1-2 0 0 0,6-21 0 0 0,-10 30-232 0 0,1 0-1 0 0,-1 0 1 0 0,0 0-1 0 0,0 1 1 0 0,0-1-1 0 0,0 0 1 0 0,0 0-1 0 0,0 0 1 0 0,-1 0-1 0 0,0 1 1 0 0,1-1-1 0 0,-1 0 1 0 0,0 0-1 0 0,0 1 1 0 0,-1-1-1 0 0,1 1 1 0 0,0-1-1 0 0,-1 1 1 0 0,0-1-1 0 0,1 1 1 0 0,-5-4-1 0 0,5 5-18 0 0,1 1-1 0 0,-1-1 1 0 0,0 1-1 0 0,0-1 1 0 0,1 1 0 0 0,-1 0-1 0 0,0-1 1 0 0,0 1-1 0 0,0 0 1 0 0,0-1-1 0 0,0 1 1 0 0,1 0-1 0 0,-1 0 1 0 0,0 0 0 0 0,0 0-1 0 0,0 0 1 0 0,0 0-1 0 0,0 0 1 0 0,0 0-1 0 0,-1 0 1 0 0,-1 1 30 0 0,0 0 0 0 0,1 0 0 0 0,-1 0-1 0 0,1 0 1 0 0,-1 1 0 0 0,1-1 0 0 0,-3 2 0 0 0,0 1 33 0 0,0 0 0 0 0,1 1 0 0 0,-1-1-1 0 0,1 1 1 0 0,-7 8 0 0 0,4-3-27 0 0,1 1 1 0 0,-1 0-1 0 0,2 0 0 0 0,-1 1 1 0 0,2 0-1 0 0,-6 19 0 0 0,9-28-58 0 0,1 0-1 0 0,-1 1 1 0 0,1-1-1 0 0,-1 0 0 0 0,1 1 1 0 0,0-1-1 0 0,1 0 1 0 0,-1 0-1 0 0,1 1 0 0 0,-1-1 1 0 0,1 0-1 0 0,0 0 1 0 0,0 0-1 0 0,0 0 1 0 0,0 0-1 0 0,1 0 0 0 0,0 0 1 0 0,-1 0-1 0 0,1 0 1 0 0,0 0-1 0 0,0-1 0 0 0,0 1 1 0 0,1-1-1 0 0,-1 0 1 0 0,0 0-1 0 0,1 1 0 0 0,0-2 1 0 0,-1 1-1 0 0,1 0 1 0 0,4 2-1 0 0,-1-1-159 0 0,1-1 1 0 0,-1 1-1 0 0,1-1 0 0 0,-1 0 1 0 0,1-1-1 0 0,7 1 0 0 0,0 0-2159 0 0,26-2-1 0 0,-18-2-5872 0 0</inkml:trace>
-</inkml:ink>
-</file>
-
-<file path=ppt/ink/ink48.xml><?xml version="1.0" encoding="utf-8"?>
-<inkml:ink xmlns:inkml="http://www.w3.org/2003/InkML">
-  <inkml:definitions>
-    <inkml:context xml:id="ctx0">
-      <inkml:inkSource xml:id="inkSrc0">
-        <inkml:traceFormat>
-          <inkml:channel name="X" type="integer" min="-2.14748E9" max="2.14748E9" units="cm"/>
-          <inkml:channel name="Y" type="integer" min="-2.14748E9" max="2.14748E9" units="cm"/>
-          <inkml:channel name="F" type="integer" max="32767" units="dev"/>
-          <inkml:channel name="OA" type="integer" max="360" units="deg"/>
-          <inkml:channel name="OE" type="integer" max="90" units="deg"/>
-        </inkml:traceFormat>
-        <inkml:channelProperties>
-          <inkml:channelProperty channel="X" name="resolution" value="1000" units="1/cm"/>
-          <inkml:channelProperty channel="Y" name="resolution" value="1000" units="1/cm"/>
-          <inkml:channelProperty channel="F" name="resolution" value="0" units="1/dev"/>
-          <inkml:channelProperty channel="OA" name="resolution" value="1000" units="1/deg"/>
-          <inkml:channelProperty channel="OE" name="resolution" value="1000" units="1/deg"/>
-        </inkml:channelProperties>
-      </inkml:inkSource>
-      <inkml:timestamp xml:id="ts0" timeString="2021-04-07T16:43:09.164"/>
-    </inkml:context>
-    <inkml:brush xml:id="br0">
-      <inkml:brushProperty name="width" value="0.05" units="cm"/>
-      <inkml:brushProperty name="height" value="0.05" units="cm"/>
-      <inkml:brushProperty name="color" value="#E71224"/>
-    </inkml:brush>
-  </inkml:definitions>
-  <inkml:trace contextRef="#ctx0" brushRef="#br0">107 621 7832 0 0,'0'0'356'0'0,"-12"-2"136"0"0,9 0-1 0 0,-1 0 0 0 0,1 0 0 0 0,0-1 0 0 0,1 1 0 0 0,-1-1 0 0 0,0 1 0 0 0,1-1 0 0 0,-1 0 0 0 0,1 0 0 0 0,0 0 0 0 0,0 0 0 0 0,0 0 0 0 0,-1-4 0 0 0,-1-3 1308 0 0,0 0 0 0 0,0 0 0 0 0,-3-15 0 0 0,7 22-1726 0 0,-14-56 1215 0 0,-9-101 0 0 0,22 142-1142 0 0,0 0 0 0 0,2 0 1 0 0,0 0-1 0 0,1-1 0 0 0,0 1 0 0 0,2 0 0 0 0,0 1 1 0 0,1-1-1 0 0,1 1 0 0 0,8-18 0 0 0,-10 29-111 0 0,-1 0 0 0 0,1 0-1 0 0,0 0 1 0 0,0 1 0 0 0,0 0-1 0 0,1 0 1 0 0,0 0 0 0 0,0 0-1 0 0,0 1 1 0 0,1 0 0 0 0,-1 0-1 0 0,1 0 1 0 0,0 1 0 0 0,0 0 0 0 0,0 0-1 0 0,1 0 1 0 0,-1 1 0 0 0,8-2-1 0 0,-9 3-33 0 0,1 0-1 0 0,-1 0 1 0 0,0 1-1 0 0,1-1 1 0 0,-1 1 0 0 0,0 1-1 0 0,1-1 1 0 0,-1 1-1 0 0,0 0 1 0 0,0 0-1 0 0,0 0 1 0 0,1 1-1 0 0,-1 0 1 0 0,0 0-1 0 0,-1 0 1 0 0,1 0-1 0 0,0 1 1 0 0,-1 0-1 0 0,1 0 1 0 0,-1 0 0 0 0,0 1-1 0 0,0-1 1 0 0,4 6-1 0 0,-3-3-4 0 0,-1 0 0 0 0,0 0 0 0 0,-1 0 0 0 0,0 1 0 0 0,0-1 1 0 0,0 1-1 0 0,-1 0 0 0 0,3 8 0 0 0,-1 6-901 0 0,4 29 1 0 0,-6-22-1201 0 0,-4 0-3746 0 0,-1-1-1860 0 0</inkml:trace>
-  <inkml:trace contextRef="#ctx0" brushRef="#br0" timeOffset="1">82 376 9672 0 0,'-14'-4'10418'0'0,"21"8"-8710"0"0,0-2-1382 0 0,-1 1-1 0 0,0-2 1 0 0,0 1-1 0 0,0 0 1 0 0,7 0 0 0 0,24 6-220 0 0,13 10-2325 0 0,-30-11 947 0 0</inkml:trace>
-</inkml:ink>
-</file>
-
-<file path=ppt/ink/ink49.xml><?xml version="1.0" encoding="utf-8"?>
-<inkml:ink xmlns:inkml="http://www.w3.org/2003/InkML">
-  <inkml:definitions>
-    <inkml:context xml:id="ctx0">
-      <inkml:inkSource xml:id="inkSrc0">
-        <inkml:traceFormat>
-          <inkml:channel name="X" type="integer" min="-2.14748E9" max="2.14748E9" units="cm"/>
-          <inkml:channel name="Y" type="integer" min="-2.14748E9" max="2.14748E9" units="cm"/>
-          <inkml:channel name="F" type="integer" max="32767" units="dev"/>
-          <inkml:channel name="OA" type="integer" max="360" units="deg"/>
-          <inkml:channel name="OE" type="integer" max="90" units="deg"/>
-        </inkml:traceFormat>
-        <inkml:channelProperties>
-          <inkml:channelProperty channel="X" name="resolution" value="1000" units="1/cm"/>
-          <inkml:channelProperty channel="Y" name="resolution" value="1000" units="1/cm"/>
-          <inkml:channelProperty channel="F" name="resolution" value="0" units="1/dev"/>
-          <inkml:channelProperty channel="OA" name="resolution" value="1000" units="1/deg"/>
-          <inkml:channelProperty channel="OE" name="resolution" value="1000" units="1/deg"/>
-        </inkml:channelProperties>
-      </inkml:inkSource>
-      <inkml:timestamp xml:id="ts0" timeString="2021-04-07T16:43:09.538"/>
-    </inkml:context>
-    <inkml:brush xml:id="br0">
-      <inkml:brushProperty name="width" value="0.05" units="cm"/>
-      <inkml:brushProperty name="height" value="0.05" units="cm"/>
-      <inkml:brushProperty name="color" value="#E71224"/>
-    </inkml:brush>
-  </inkml:definitions>
-  <inkml:trace contextRef="#ctx0" brushRef="#br0">173 73 6680 0 0,'-2'-1'106'0'0,"-1"0"0"0"0,0 0-1 0 0,0 0 1 0 0,1 0 0 0 0,-1-1 0 0 0,1 1 0 0 0,-1-1 0 0 0,1 0 0 0 0,0 1 0 0 0,-1-1 0 0 0,1 0-1 0 0,0-1 1 0 0,-2-2 0 0 0,-7-6 476 0 0,-31-20 4882 0 0,40 30-4949 0 0,1 0 0 0 0,-1 0 0 0 0,1 1 0 0 0,-1-1 0 0 0,1 1 0 0 0,-1 0 0 0 0,0-1 0 0 0,1 1 0 0 0,-3 0 0 0 0,2 1-333 0 0,-1 0 1 0 0,1 0-1 0 0,0 1 0 0 0,0-1 1 0 0,0 1-1 0 0,0-1 0 0 0,0 1 1 0 0,0 0-1 0 0,0 0 0 0 0,1 0 0 0 0,-1 0 1 0 0,0 0-1 0 0,1 0 0 0 0,0 1 1 0 0,0-1-1 0 0,-2 4 0 0 0,-2 4 33 0 0,1 0 0 0 0,-4 18 0 0 0,5-19-133 0 0,0 2-13 0 0,0-1 0 0 0,1 1 0 0 0,0 0 0 0 0,0 0 0 0 0,1 0 0 0 0,0 0 0 0 0,1 0 0 0 0,2 15 0 0 0,-2-25-67 0 0,0-1 0 0 0,0 0 0 0 0,0 1 0 0 0,0-1 0 0 0,1 0 0 0 0,-1 1 0 0 0,0-1 0 0 0,0 0 0 0 0,0 1 0 0 0,0-1 0 0 0,0 0 0 0 0,0 0 0 0 0,1 1 0 0 0,-1-1 0 0 0,0 0 0 0 0,0 0 0 0 0,1 1 0 0 0,-1-1 0 0 0,0 0 0 0 0,0 0 0 0 0,1 0 0 0 0,-1 1 0 0 0,0-1 0 0 0,0 0 0 0 0,1 0 0 0 0,-1 0 0 0 0,0 0 0 0 0,1 0 0 0 0,-1 0 0 0 0,0 1 0 0 0,1-1 0 0 0,-1 0 1 0 0,0 0-1 0 0,1 0 0 0 0,-1 0 0 0 0,0 0 0 0 0,0 0 0 0 0,1 0 0 0 0,-1 0 0 0 0,0-1 0 0 0,1 1 0 0 0,-1 0 0 0 0,0 0 0 0 0,1 0 0 0 0,-1 0 0 0 0,0 0 0 0 0,1 0 0 0 0,-1-1 0 0 0,0 1 0 0 0,0 0 0 0 0,1 0 0 0 0,-1 0 0 0 0,0-1 0 0 0,0 1 0 0 0,0 0 0 0 0,1 0 0 0 0,-1-1 0 0 0,0 1 0 0 0,18-20-202 0 0,-14 16 69 0 0,12-15-2718 0 0,14-22 0 0 0,-22 29 962 0 0</inkml:trace>
-</inkml:ink>
-</file>
-
 <file path=ppt/ink/ink5.xml><?xml version="1.0" encoding="utf-8"?>
 <inkml:ink xmlns:inkml="http://www.w3.org/2003/InkML">
   <inkml:definitions>
@@ -1629,102 +1436,6 @@
     </inkml:brush>
   </inkml:definitions>
   <inkml:trace contextRef="#ctx0" brushRef="#br0">222 28 2304 0 0,'8'-2'8988'0'0,"-7"-6"-4940"0"0,-1 7-3910 0 0,0 0 1 0 0,0 0 0 0 0,0 1 0 0 0,0-1-1 0 0,0 0 1 0 0,0 1 0 0 0,0-1 0 0 0,0 0-1 0 0,-1 0 1 0 0,1 1 0 0 0,0-1 0 0 0,-1 0-1 0 0,1 1 1 0 0,0-1 0 0 0,-1 0-1 0 0,-1 0 18 0 0,0 0 0 0 0,0 0 0 0 0,0 1 0 0 0,0-1-1 0 0,-1 1 1 0 0,1-1 0 0 0,0 1 0 0 0,0 0-1 0 0,0 0 1 0 0,0 0 0 0 0,0 0 0 0 0,0 0 0 0 0,0 1-1 0 0,-1-1 1 0 0,1 1 0 0 0,0-1 0 0 0,0 1 0 0 0,0 0-1 0 0,0-1 1 0 0,1 1 0 0 0,-1 0 0 0 0,0 0-1 0 0,0 1 1 0 0,0-1 0 0 0,-1 2 0 0 0,-5 4 102 0 0,0 0 1 0 0,1 1 0 0 0,-13 16-1 0 0,14-16-84 0 0,-7 10 28 0 0,0 2 0 0 0,0 0 0 0 0,2 0 0 0 0,1 1 0 0 0,-12 35 0 0 0,10-20 206 0 0,2 1 1 0 0,-8 63-1 0 0,16-79-228 0 0,2 0 1 0 0,0 1-1 0 0,1-1 0 0 0,6 27 0 0 0,-5-30-47 0 0,0-9-56 0 0,-1-1 0 0 0,1 0 0 0 0,1 0 0 0 0,0 0 1 0 0,0 0-1 0 0,0-1 0 0 0,1 1 0 0 0,0-1 1 0 0,0 0-1 0 0,1 0 0 0 0,9 11 0 0 0,-10-14-31 0 0,-1 0-1 0 0,1 0 1 0 0,0-1-1 0 0,1 0 1 0 0,-1 0-1 0 0,1 0 1 0 0,-1 0-1 0 0,1 0 0 0 0,0-1 1 0 0,0 0-1 0 0,0 0 1 0 0,0 0-1 0 0,0-1 1 0 0,1 0-1 0 0,-1 0 1 0 0,0 0-1 0 0,1 0 1 0 0,-1-1-1 0 0,6 0 0 0 0,3-2 65 0 0,0 0 0 0 0,-1-1 0 0 0,26-9 0 0 0,-30 9-176 0 0,-1 1-1 0 0,1 0 0 0 0,13-2 0 0 0,-1 5-2661 0 0,-12 1 1366 0 0</inkml:trace>
-</inkml:ink>
-</file>
-
-<file path=ppt/ink/ink50.xml><?xml version="1.0" encoding="utf-8"?>
-<inkml:ink xmlns:inkml="http://www.w3.org/2003/InkML">
-  <inkml:definitions>
-    <inkml:context xml:id="ctx0">
-      <inkml:inkSource xml:id="inkSrc0">
-        <inkml:traceFormat>
-          <inkml:channel name="X" type="integer" min="-2.14748E9" max="2.14748E9" units="cm"/>
-          <inkml:channel name="Y" type="integer" min="-2.14748E9" max="2.14748E9" units="cm"/>
-          <inkml:channel name="F" type="integer" max="32767" units="dev"/>
-          <inkml:channel name="OA" type="integer" max="360" units="deg"/>
-          <inkml:channel name="OE" type="integer" max="90" units="deg"/>
-        </inkml:traceFormat>
-        <inkml:channelProperties>
-          <inkml:channelProperty channel="X" name="resolution" value="1000" units="1/cm"/>
-          <inkml:channelProperty channel="Y" name="resolution" value="1000" units="1/cm"/>
-          <inkml:channelProperty channel="F" name="resolution" value="0" units="1/dev"/>
-          <inkml:channelProperty channel="OA" name="resolution" value="1000" units="1/deg"/>
-          <inkml:channelProperty channel="OE" name="resolution" value="1000" units="1/deg"/>
-        </inkml:channelProperties>
-      </inkml:inkSource>
-      <inkml:timestamp xml:id="ts0" timeString="2021-04-07T16:43:09.917"/>
-    </inkml:context>
-    <inkml:brush xml:id="br0">
-      <inkml:brushProperty name="width" value="0.05" units="cm"/>
-      <inkml:brushProperty name="height" value="0.05" units="cm"/>
-      <inkml:brushProperty name="color" value="#E71224"/>
-    </inkml:brush>
-  </inkml:definitions>
-  <inkml:trace contextRef="#ctx0" brushRef="#br0">0 176 7832 0 0,'3'5'156'0'0,"0"0"0"0"0,0 0 0 0 0,-1 1 0 0 0,0-1 0 0 0,0 1 0 0 0,0-1 0 0 0,1 12 0 0 0,-1 0 3760 0 0,-1 24-1 0 0,2-26 2800 0 0,-1-25-5767 0 0,0 2-815 0 0,0 0 1 0 0,0 0-1 0 0,0 0 0 0 0,1 0 1 0 0,1 0-1 0 0,-1 0 0 0 0,6-7 1 0 0,-2 4-127 0 0,1 0 1 0 0,-1 0 0 0 0,19-17-1 0 0,-10 13-36 0 0,2 1-1 0 0,0 0 1 0 0,0 1-1 0 0,40-19 1 0 0,85-28-50 0 0,-115 48-28 0 0,-31 12 109 0 0,1 0 17 0 0,0 1-1 0 0,-1-1 0 0 0,1 0 1 0 0,0 1-1 0 0,-1 0 1 0 0,1-1-1 0 0,-2 2 0 0 0,-3 3 75 0 0,0 0 0 0 0,1 1-1 0 0,0-1 1 0 0,0 1 0 0 0,0 1 0 0 0,1-1-1 0 0,0 1 1 0 0,0 0 0 0 0,1 0 0 0 0,-1 0-1 0 0,2 0 1 0 0,-1 1 0 0 0,1 0 0 0 0,0 0-1 0 0,-2 10 1 0 0,4-14-77 0 0,1 0-1 0 0,0 0 1 0 0,0 1-1 0 0,0-1 1 0 0,0 0-1 0 0,0 0 1 0 0,1 0 0 0 0,0 0-1 0 0,0 0 1 0 0,0 0-1 0 0,0 0 1 0 0,1 0-1 0 0,0 0 1 0 0,-1 0-1 0 0,2-1 1 0 0,-1 1-1 0 0,0-1 1 0 0,0 1-1 0 0,1-1 1 0 0,0 0 0 0 0,0 0-1 0 0,0 0 1 0 0,0 0-1 0 0,0-1 1 0 0,0 1-1 0 0,1-1 1 0 0,-1 0-1 0 0,1 0 1 0 0,0 0-1 0 0,0-1 1 0 0,6 3-1 0 0,11 1-2183 0 0,37 5-1 0 0,-27-8-6306 0 0</inkml:trace>
-</inkml:ink>
-</file>
-
-<file path=ppt/ink/ink51.xml><?xml version="1.0" encoding="utf-8"?>
-<inkml:ink xmlns:inkml="http://www.w3.org/2003/InkML">
-  <inkml:definitions>
-    <inkml:context xml:id="ctx0">
-      <inkml:inkSource xml:id="inkSrc0">
-        <inkml:traceFormat>
-          <inkml:channel name="X" type="integer" min="-2.14748E9" max="2.14748E9" units="cm"/>
-          <inkml:channel name="Y" type="integer" min="-2.14748E9" max="2.14748E9" units="cm"/>
-          <inkml:channel name="F" type="integer" max="32767" units="dev"/>
-          <inkml:channel name="OA" type="integer" max="360" units="deg"/>
-          <inkml:channel name="OE" type="integer" max="90" units="deg"/>
-        </inkml:traceFormat>
-        <inkml:channelProperties>
-          <inkml:channelProperty channel="X" name="resolution" value="1000" units="1/cm"/>
-          <inkml:channelProperty channel="Y" name="resolution" value="1000" units="1/cm"/>
-          <inkml:channelProperty channel="F" name="resolution" value="0" units="1/dev"/>
-          <inkml:channelProperty channel="OA" name="resolution" value="1000" units="1/deg"/>
-          <inkml:channelProperty channel="OE" name="resolution" value="1000" units="1/deg"/>
-        </inkml:channelProperties>
-      </inkml:inkSource>
-      <inkml:timestamp xml:id="ts0" timeString="2021-04-07T16:43:10.315"/>
-    </inkml:context>
-    <inkml:brush xml:id="br0">
-      <inkml:brushProperty name="width" value="0.05" units="cm"/>
-      <inkml:brushProperty name="height" value="0.05" units="cm"/>
-      <inkml:brushProperty name="color" value="#E71224"/>
-    </inkml:brush>
-  </inkml:definitions>
-  <inkml:trace contextRef="#ctx0" brushRef="#br0">82 1 10592 0 0,'-2'1'6466'0'0,"-1"7"-5937"0"0,1 0 1 0 0,-1-1-1 0 0,1 1 0 0 0,0 0 0 0 0,1 0 0 0 0,0 0 0 0 0,0 11 1 0 0,-2 9 57 0 0,-51 339 1053 0 0,52-353-1674 0 0,0 4 71 0 0,-2 24 0 0 0,4-38-69 0 0,0 0 1 0 0,0-1-1 0 0,1 1 1 0 0,-1 0-1 0 0,1-1 1 0 0,-1 1-1 0 0,1 0 1 0 0,0-1-1 0 0,1 1 1 0 0,-1-1-1 0 0,0 0 1 0 0,1 1-1 0 0,2 3 1 0 0,-3-7-94 0 0,-1 1-1 0 0,1 0 1 0 0,0 0 0 0 0,-1-1-1 0 0,1 1 1 0 0,0 0 0 0 0,0-1-1 0 0,0 1 1 0 0,-1-1 0 0 0,1 1-1 0 0,0-1 1 0 0,0 1 0 0 0,0-1-1 0 0,0 0 1 0 0,0 1 0 0 0,0-1-1 0 0,0 0 1 0 0,1 1 0 0 0,9-4-7380 0 0</inkml:trace>
-</inkml:ink>
-</file>
-
-<file path=ppt/ink/ink52.xml><?xml version="1.0" encoding="utf-8"?>
-<inkml:ink xmlns:inkml="http://www.w3.org/2003/InkML">
-  <inkml:definitions>
-    <inkml:context xml:id="ctx0">
-      <inkml:inkSource xml:id="inkSrc0">
-        <inkml:traceFormat>
-          <inkml:channel name="X" type="integer" min="-2.14748E9" max="2.14748E9" units="cm"/>
-          <inkml:channel name="Y" type="integer" min="-2.14748E9" max="2.14748E9" units="cm"/>
-          <inkml:channel name="F" type="integer" max="32767" units="dev"/>
-          <inkml:channel name="OA" type="integer" max="360" units="deg"/>
-          <inkml:channel name="OE" type="integer" max="90" units="deg"/>
-        </inkml:traceFormat>
-        <inkml:channelProperties>
-          <inkml:channelProperty channel="X" name="resolution" value="1000" units="1/cm"/>
-          <inkml:channelProperty channel="Y" name="resolution" value="1000" units="1/cm"/>
-          <inkml:channelProperty channel="F" name="resolution" value="0" units="1/dev"/>
-          <inkml:channelProperty channel="OA" name="resolution" value="1000" units="1/deg"/>
-          <inkml:channelProperty channel="OE" name="resolution" value="1000" units="1/deg"/>
-        </inkml:channelProperties>
-      </inkml:inkSource>
-      <inkml:timestamp xml:id="ts0" timeString="2021-04-07T16:43:10.659"/>
-    </inkml:context>
-    <inkml:brush xml:id="br0">
-      <inkml:brushProperty name="width" value="0.05" units="cm"/>
-      <inkml:brushProperty name="height" value="0.05" units="cm"/>
-      <inkml:brushProperty name="color" value="#E71224"/>
-    </inkml:brush>
-  </inkml:definitions>
-  <inkml:trace contextRef="#ctx0" brushRef="#br0">105 0 21191 0 0,'0'9'1027'0'0,"-2"29"-501"0"0,-2 1 0 0 0,-12 56 0 0 0,7-52 128 0 0,-15 75 232 0 0,-21 145 1393 0 0,42-243-2315 0 0,2 1-1 0 0,0-1 1 0 0,5 37-1 0 0,-3-50-88 0 0,0 0-1 0 0,1 0 1 0 0,0-1 0 0 0,0 1-1 0 0,0-1 1 0 0,6 9-1 0 0,-6-11-30 0 0,0-1 0 0 0,0 0-1 0 0,1 0 1 0 0,-1 0 0 0 0,1 0 0 0 0,0 0-1 0 0,0 0 1 0 0,0-1 0 0 0,0 1-1 0 0,0-1 1 0 0,1 0 0 0 0,3 2-1 0 0,8 1-8714 0 0</inkml:trace>
 </inkml:ink>
 </file>
 
@@ -2548,7 +2259,7 @@
           <a:p>
             <a:fld id="{3A2BF66F-FEB0-48C1-A8B9-A73F54BB1A08}" type="datetimeFigureOut">
               <a:rPr lang="en-US" smtClean="0"/>
-              <a:t>8/3/2021</a:t>
+              <a:t>8/4/2021</a:t>
             </a:fld>
             <a:endParaRPr lang="en-US" dirty="0"/>
           </a:p>
@@ -2756,7 +2467,7 @@
           <a:p>
             <a:fld id="{3A2BF66F-FEB0-48C1-A8B9-A73F54BB1A08}" type="datetimeFigureOut">
               <a:rPr lang="en-US" smtClean="0"/>
-              <a:t>8/3/2021</a:t>
+              <a:t>8/4/2021</a:t>
             </a:fld>
             <a:endParaRPr lang="en-US" dirty="0"/>
           </a:p>
@@ -2974,7 +2685,7 @@
           <a:p>
             <a:fld id="{3A2BF66F-FEB0-48C1-A8B9-A73F54BB1A08}" type="datetimeFigureOut">
               <a:rPr lang="en-US" smtClean="0"/>
-              <a:t>8/3/2021</a:t>
+              <a:t>8/4/2021</a:t>
             </a:fld>
             <a:endParaRPr lang="en-US" dirty="0"/>
           </a:p>
@@ -3182,7 +2893,7 @@
           <a:p>
             <a:fld id="{3A2BF66F-FEB0-48C1-A8B9-A73F54BB1A08}" type="datetimeFigureOut">
               <a:rPr lang="en-US" smtClean="0"/>
-              <a:t>8/3/2021</a:t>
+              <a:t>8/4/2021</a:t>
             </a:fld>
             <a:endParaRPr lang="en-US" dirty="0"/>
           </a:p>
@@ -3467,7 +3178,7 @@
           <a:p>
             <a:fld id="{3A2BF66F-FEB0-48C1-A8B9-A73F54BB1A08}" type="datetimeFigureOut">
               <a:rPr lang="en-US" smtClean="0"/>
-              <a:t>8/3/2021</a:t>
+              <a:t>8/4/2021</a:t>
             </a:fld>
             <a:endParaRPr lang="en-US" dirty="0"/>
           </a:p>
@@ -3742,7 +3453,7 @@
           <a:p>
             <a:fld id="{3A2BF66F-FEB0-48C1-A8B9-A73F54BB1A08}" type="datetimeFigureOut">
               <a:rPr lang="en-US" smtClean="0"/>
-              <a:t>8/3/2021</a:t>
+              <a:t>8/4/2021</a:t>
             </a:fld>
             <a:endParaRPr lang="en-US" dirty="0"/>
           </a:p>
@@ -4164,7 +3875,7 @@
           <a:p>
             <a:fld id="{3A2BF66F-FEB0-48C1-A8B9-A73F54BB1A08}" type="datetimeFigureOut">
               <a:rPr lang="en-US" smtClean="0"/>
-              <a:t>8/3/2021</a:t>
+              <a:t>8/4/2021</a:t>
             </a:fld>
             <a:endParaRPr lang="en-US" dirty="0"/>
           </a:p>
@@ -4315,7 +4026,7 @@
           <a:p>
             <a:fld id="{3A2BF66F-FEB0-48C1-A8B9-A73F54BB1A08}" type="datetimeFigureOut">
               <a:rPr lang="en-US" smtClean="0"/>
-              <a:t>8/3/2021</a:t>
+              <a:t>8/4/2021</a:t>
             </a:fld>
             <a:endParaRPr lang="en-US" dirty="0"/>
           </a:p>
@@ -4438,7 +4149,7 @@
           <a:p>
             <a:fld id="{3A2BF66F-FEB0-48C1-A8B9-A73F54BB1A08}" type="datetimeFigureOut">
               <a:rPr lang="en-US" smtClean="0"/>
-              <a:t>8/3/2021</a:t>
+              <a:t>8/4/2021</a:t>
             </a:fld>
             <a:endParaRPr lang="en-US" dirty="0"/>
           </a:p>
@@ -4758,7 +4469,7 @@
           <a:p>
             <a:fld id="{3A2BF66F-FEB0-48C1-A8B9-A73F54BB1A08}" type="datetimeFigureOut">
               <a:rPr lang="en-US" smtClean="0"/>
-              <a:t>8/3/2021</a:t>
+              <a:t>8/4/2021</a:t>
             </a:fld>
             <a:endParaRPr lang="en-US" dirty="0"/>
           </a:p>
@@ -5056,7 +4767,7 @@
           <a:p>
             <a:fld id="{3A2BF66F-FEB0-48C1-A8B9-A73F54BB1A08}" type="datetimeFigureOut">
               <a:rPr lang="en-US" smtClean="0"/>
-              <a:t>8/3/2021</a:t>
+              <a:t>8/4/2021</a:t>
             </a:fld>
             <a:endParaRPr lang="en-US" dirty="0"/>
           </a:p>
@@ -5307,7 +5018,7 @@
           <a:p>
             <a:fld id="{3A2BF66F-FEB0-48C1-A8B9-A73F54BB1A08}" type="datetimeFigureOut">
               <a:rPr lang="en-US" smtClean="0"/>
-              <a:t>8/3/2021</a:t>
+              <a:t>8/4/2021</a:t>
             </a:fld>
             <a:endParaRPr lang="en-US" dirty="0"/>
           </a:p>
@@ -8012,9 +7723,6 @@
               <a:rPr lang="en-US" dirty="0"/>
               <a:t>What does this number line look like?</a:t>
             </a:r>
-          </a:p>
-          <a:p>
-            <a:endParaRPr lang="en-US" dirty="0"/>
           </a:p>
           <a:p>
             <a:endParaRPr lang="en-US" dirty="0"/>
@@ -10508,528 +10216,6 @@
           </p:pic>
         </mc:Fallback>
       </mc:AlternateContent>
-      <p:grpSp>
-        <p:nvGrpSpPr>
-          <p:cNvPr id="19" name="Group 18">
-            <a:extLst>
-              <a:ext uri="{FF2B5EF4-FFF2-40B4-BE49-F238E27FC236}">
-                <a16:creationId xmlns:a16="http://schemas.microsoft.com/office/drawing/2014/main" id="{AF458AE6-1112-450C-91A8-BC1489FE3ED8}"/>
-              </a:ext>
-            </a:extLst>
-          </p:cNvPr>
-          <p:cNvGrpSpPr/>
-          <p:nvPr/>
-        </p:nvGrpSpPr>
-        <p:grpSpPr>
-          <a:xfrm>
-            <a:off x="3327049" y="1906819"/>
-            <a:ext cx="518040" cy="343080"/>
-            <a:chOff x="3327049" y="1906819"/>
-            <a:chExt cx="518040" cy="343080"/>
-          </a:xfrm>
-        </p:grpSpPr>
-        <mc:AlternateContent xmlns:mc="http://schemas.openxmlformats.org/markup-compatibility/2006" xmlns:p14="http://schemas.microsoft.com/office/powerpoint/2010/main">
-          <mc:Choice Requires="p14">
-            <p:contentPart p14:bwMode="auto" r:id="rId88">
-              <p14:nvContentPartPr>
-                <p14:cNvPr id="17" name="Ink 16">
-                  <a:extLst>
-                    <a:ext uri="{FF2B5EF4-FFF2-40B4-BE49-F238E27FC236}">
-                      <a16:creationId xmlns:a16="http://schemas.microsoft.com/office/drawing/2014/main" id="{935FE536-0FD9-4467-A1DA-BDDCC743A3B4}"/>
-                    </a:ext>
-                  </a:extLst>
-                </p14:cNvPr>
-                <p14:cNvContentPartPr/>
-                <p14:nvPr/>
-              </p14:nvContentPartPr>
-              <p14:xfrm>
-                <a:off x="3327049" y="1906819"/>
-                <a:ext cx="215640" cy="343080"/>
-              </p14:xfrm>
-            </p:contentPart>
-          </mc:Choice>
-          <mc:Fallback xmlns="">
-            <p:pic>
-              <p:nvPicPr>
-                <p:cNvPr id="17" name="Ink 16">
-                  <a:extLst>
-                    <a:ext uri="{FF2B5EF4-FFF2-40B4-BE49-F238E27FC236}">
-                      <a16:creationId xmlns:a16="http://schemas.microsoft.com/office/drawing/2014/main" id="{935FE536-0FD9-4467-A1DA-BDDCC743A3B4}"/>
-                    </a:ext>
-                  </a:extLst>
-                </p:cNvPr>
-                <p:cNvPicPr/>
-                <p:nvPr/>
-              </p:nvPicPr>
-              <p:blipFill>
-                <a:blip r:embed="rId95"/>
-                <a:stretch>
-                  <a:fillRect/>
-                </a:stretch>
-              </p:blipFill>
-              <p:spPr>
-                <a:xfrm>
-                  <a:off x="3318409" y="1897819"/>
-                  <a:ext cx="233280" cy="360720"/>
-                </a:xfrm>
-                <a:prstGeom prst="rect">
-                  <a:avLst/>
-                </a:prstGeom>
-              </p:spPr>
-            </p:pic>
-          </mc:Fallback>
-        </mc:AlternateContent>
-        <mc:AlternateContent xmlns:mc="http://schemas.openxmlformats.org/markup-compatibility/2006" xmlns:p14="http://schemas.microsoft.com/office/powerpoint/2010/main">
-          <mc:Choice Requires="p14">
-            <p:contentPart p14:bwMode="auto" r:id="rId96">
-              <p14:nvContentPartPr>
-                <p14:cNvPr id="18" name="Ink 17">
-                  <a:extLst>
-                    <a:ext uri="{FF2B5EF4-FFF2-40B4-BE49-F238E27FC236}">
-                      <a16:creationId xmlns:a16="http://schemas.microsoft.com/office/drawing/2014/main" id="{B65653D9-C4C5-4D4F-957A-CD0978E8A97B}"/>
-                    </a:ext>
-                  </a:extLst>
-                </p14:cNvPr>
-                <p14:cNvContentPartPr/>
-                <p14:nvPr/>
-              </p14:nvContentPartPr>
-              <p14:xfrm>
-                <a:off x="3663289" y="1944259"/>
-                <a:ext cx="181800" cy="282600"/>
-              </p14:xfrm>
-            </p:contentPart>
-          </mc:Choice>
-          <mc:Fallback xmlns="">
-            <p:pic>
-              <p:nvPicPr>
-                <p:cNvPr id="18" name="Ink 17">
-                  <a:extLst>
-                    <a:ext uri="{FF2B5EF4-FFF2-40B4-BE49-F238E27FC236}">
-                      <a16:creationId xmlns:a16="http://schemas.microsoft.com/office/drawing/2014/main" id="{B65653D9-C4C5-4D4F-957A-CD0978E8A97B}"/>
-                    </a:ext>
-                  </a:extLst>
-                </p:cNvPr>
-                <p:cNvPicPr/>
-                <p:nvPr/>
-              </p:nvPicPr>
-              <p:blipFill>
-                <a:blip r:embed="rId97"/>
-                <a:stretch>
-                  <a:fillRect/>
-                </a:stretch>
-              </p:blipFill>
-              <p:spPr>
-                <a:xfrm>
-                  <a:off x="3654289" y="1935259"/>
-                  <a:ext cx="199440" cy="300240"/>
-                </a:xfrm>
-                <a:prstGeom prst="rect">
-                  <a:avLst/>
-                </a:prstGeom>
-              </p:spPr>
-            </p:pic>
-          </mc:Fallback>
-        </mc:AlternateContent>
-      </p:grpSp>
-      <p:grpSp>
-        <p:nvGrpSpPr>
-          <p:cNvPr id="28" name="Group 27">
-            <a:extLst>
-              <a:ext uri="{FF2B5EF4-FFF2-40B4-BE49-F238E27FC236}">
-                <a16:creationId xmlns:a16="http://schemas.microsoft.com/office/drawing/2014/main" id="{21D670FC-5B3B-48F0-9ACA-3F9C6E42592D}"/>
-              </a:ext>
-            </a:extLst>
-          </p:cNvPr>
-          <p:cNvGrpSpPr/>
-          <p:nvPr/>
-        </p:nvGrpSpPr>
-        <p:grpSpPr>
-          <a:xfrm>
-            <a:off x="4322089" y="1912579"/>
-            <a:ext cx="807840" cy="270720"/>
-            <a:chOff x="4322089" y="1912579"/>
-            <a:chExt cx="807840" cy="270720"/>
-          </a:xfrm>
-        </p:grpSpPr>
-        <mc:AlternateContent xmlns:mc="http://schemas.openxmlformats.org/markup-compatibility/2006" xmlns:p14="http://schemas.microsoft.com/office/powerpoint/2010/main">
-          <mc:Choice Requires="p14">
-            <p:contentPart p14:bwMode="auto" r:id="rId98">
-              <p14:nvContentPartPr>
-                <p14:cNvPr id="20" name="Ink 19">
-                  <a:extLst>
-                    <a:ext uri="{FF2B5EF4-FFF2-40B4-BE49-F238E27FC236}">
-                      <a16:creationId xmlns:a16="http://schemas.microsoft.com/office/drawing/2014/main" id="{303F62F5-6E75-46FD-8E53-FDCD84631CAB}"/>
-                    </a:ext>
-                  </a:extLst>
-                </p14:cNvPr>
-                <p14:cNvContentPartPr/>
-                <p14:nvPr/>
-              </p14:nvContentPartPr>
-              <p14:xfrm>
-                <a:off x="4322089" y="1917979"/>
-                <a:ext cx="118800" cy="265320"/>
-              </p14:xfrm>
-            </p:contentPart>
-          </mc:Choice>
-          <mc:Fallback xmlns="">
-            <p:pic>
-              <p:nvPicPr>
-                <p:cNvPr id="20" name="Ink 19">
-                  <a:extLst>
-                    <a:ext uri="{FF2B5EF4-FFF2-40B4-BE49-F238E27FC236}">
-                      <a16:creationId xmlns:a16="http://schemas.microsoft.com/office/drawing/2014/main" id="{303F62F5-6E75-46FD-8E53-FDCD84631CAB}"/>
-                    </a:ext>
-                  </a:extLst>
-                </p:cNvPr>
-                <p:cNvPicPr/>
-                <p:nvPr/>
-              </p:nvPicPr>
-              <p:blipFill>
-                <a:blip r:embed="rId99"/>
-                <a:stretch>
-                  <a:fillRect/>
-                </a:stretch>
-              </p:blipFill>
-              <p:spPr>
-                <a:xfrm>
-                  <a:off x="4313449" y="1908979"/>
-                  <a:ext cx="136440" cy="282960"/>
-                </a:xfrm>
-                <a:prstGeom prst="rect">
-                  <a:avLst/>
-                </a:prstGeom>
-              </p:spPr>
-            </p:pic>
-          </mc:Fallback>
-        </mc:AlternateContent>
-        <mc:AlternateContent xmlns:mc="http://schemas.openxmlformats.org/markup-compatibility/2006" xmlns:p14="http://schemas.microsoft.com/office/powerpoint/2010/main">
-          <mc:Choice Requires="p14">
-            <p:contentPart p14:bwMode="auto" r:id="rId100">
-              <p14:nvContentPartPr>
-                <p14:cNvPr id="21" name="Ink 20">
-                  <a:extLst>
-                    <a:ext uri="{FF2B5EF4-FFF2-40B4-BE49-F238E27FC236}">
-                      <a16:creationId xmlns:a16="http://schemas.microsoft.com/office/drawing/2014/main" id="{8EB1CAEB-89C7-4CE7-B6D6-D755448B305F}"/>
-                    </a:ext>
-                  </a:extLst>
-                </p14:cNvPr>
-                <p14:cNvContentPartPr/>
-                <p14:nvPr/>
-              </p14:nvContentPartPr>
-              <p14:xfrm>
-                <a:off x="4501729" y="2049379"/>
-                <a:ext cx="63000" cy="90360"/>
-              </p14:xfrm>
-            </p:contentPart>
-          </mc:Choice>
-          <mc:Fallback xmlns="">
-            <p:pic>
-              <p:nvPicPr>
-                <p:cNvPr id="21" name="Ink 20">
-                  <a:extLst>
-                    <a:ext uri="{FF2B5EF4-FFF2-40B4-BE49-F238E27FC236}">
-                      <a16:creationId xmlns:a16="http://schemas.microsoft.com/office/drawing/2014/main" id="{8EB1CAEB-89C7-4CE7-B6D6-D755448B305F}"/>
-                    </a:ext>
-                  </a:extLst>
-                </p:cNvPr>
-                <p:cNvPicPr/>
-                <p:nvPr/>
-              </p:nvPicPr>
-              <p:blipFill>
-                <a:blip r:embed="rId101"/>
-                <a:stretch>
-                  <a:fillRect/>
-                </a:stretch>
-              </p:blipFill>
-              <p:spPr>
-                <a:xfrm>
-                  <a:off x="4492729" y="2040739"/>
-                  <a:ext cx="80640" cy="108000"/>
-                </a:xfrm>
-                <a:prstGeom prst="rect">
-                  <a:avLst/>
-                </a:prstGeom>
-              </p:spPr>
-            </p:pic>
-          </mc:Fallback>
-        </mc:AlternateContent>
-        <mc:AlternateContent xmlns:mc="http://schemas.openxmlformats.org/markup-compatibility/2006" xmlns:p14="http://schemas.microsoft.com/office/powerpoint/2010/main">
-          <mc:Choice Requires="p14">
-            <p:contentPart p14:bwMode="auto" r:id="rId102">
-              <p14:nvContentPartPr>
-                <p14:cNvPr id="22" name="Ink 21">
-                  <a:extLst>
-                    <a:ext uri="{FF2B5EF4-FFF2-40B4-BE49-F238E27FC236}">
-                      <a16:creationId xmlns:a16="http://schemas.microsoft.com/office/drawing/2014/main" id="{8939EDE1-F93A-4414-BB0F-4820AA56AC21}"/>
-                    </a:ext>
-                  </a:extLst>
-                </p14:cNvPr>
-                <p14:cNvContentPartPr/>
-                <p14:nvPr/>
-              </p14:nvContentPartPr>
-              <p14:xfrm>
-                <a:off x="4650769" y="1912579"/>
-                <a:ext cx="112320" cy="223560"/>
-              </p14:xfrm>
-            </p:contentPart>
-          </mc:Choice>
-          <mc:Fallback xmlns="">
-            <p:pic>
-              <p:nvPicPr>
-                <p:cNvPr id="22" name="Ink 21">
-                  <a:extLst>
-                    <a:ext uri="{FF2B5EF4-FFF2-40B4-BE49-F238E27FC236}">
-                      <a16:creationId xmlns:a16="http://schemas.microsoft.com/office/drawing/2014/main" id="{8939EDE1-F93A-4414-BB0F-4820AA56AC21}"/>
-                    </a:ext>
-                  </a:extLst>
-                </p:cNvPr>
-                <p:cNvPicPr/>
-                <p:nvPr/>
-              </p:nvPicPr>
-              <p:blipFill>
-                <a:blip r:embed="rId103"/>
-                <a:stretch>
-                  <a:fillRect/>
-                </a:stretch>
-              </p:blipFill>
-              <p:spPr>
-                <a:xfrm>
-                  <a:off x="4641769" y="1903579"/>
-                  <a:ext cx="129960" cy="241200"/>
-                </a:xfrm>
-                <a:prstGeom prst="rect">
-                  <a:avLst/>
-                </a:prstGeom>
-              </p:spPr>
-            </p:pic>
-          </mc:Fallback>
-        </mc:AlternateContent>
-        <mc:AlternateContent xmlns:mc="http://schemas.openxmlformats.org/markup-compatibility/2006" xmlns:p14="http://schemas.microsoft.com/office/powerpoint/2010/main">
-          <mc:Choice Requires="p14">
-            <p:contentPart p14:bwMode="auto" r:id="rId104">
-              <p14:nvContentPartPr>
-                <p14:cNvPr id="23" name="Ink 22">
-                  <a:extLst>
-                    <a:ext uri="{FF2B5EF4-FFF2-40B4-BE49-F238E27FC236}">
-                      <a16:creationId xmlns:a16="http://schemas.microsoft.com/office/drawing/2014/main" id="{9D46CBAD-88A3-4834-9255-F7E0B335E56B}"/>
-                    </a:ext>
-                  </a:extLst>
-                </p14:cNvPr>
-                <p14:cNvContentPartPr/>
-                <p14:nvPr/>
-              </p14:nvContentPartPr>
-              <p14:xfrm>
-                <a:off x="4878289" y="2039659"/>
-                <a:ext cx="62640" cy="76680"/>
-              </p14:xfrm>
-            </p:contentPart>
-          </mc:Choice>
-          <mc:Fallback xmlns="">
-            <p:pic>
-              <p:nvPicPr>
-                <p:cNvPr id="23" name="Ink 22">
-                  <a:extLst>
-                    <a:ext uri="{FF2B5EF4-FFF2-40B4-BE49-F238E27FC236}">
-                      <a16:creationId xmlns:a16="http://schemas.microsoft.com/office/drawing/2014/main" id="{9D46CBAD-88A3-4834-9255-F7E0B335E56B}"/>
-                    </a:ext>
-                  </a:extLst>
-                </p:cNvPr>
-                <p:cNvPicPr/>
-                <p:nvPr/>
-              </p:nvPicPr>
-              <p:blipFill>
-                <a:blip r:embed="rId105"/>
-                <a:stretch>
-                  <a:fillRect/>
-                </a:stretch>
-              </p:blipFill>
-              <p:spPr>
-                <a:xfrm>
-                  <a:off x="4869289" y="2031019"/>
-                  <a:ext cx="80280" cy="94320"/>
-                </a:xfrm>
-                <a:prstGeom prst="rect">
-                  <a:avLst/>
-                </a:prstGeom>
-              </p:spPr>
-            </p:pic>
-          </mc:Fallback>
-        </mc:AlternateContent>
-        <mc:AlternateContent xmlns:mc="http://schemas.openxmlformats.org/markup-compatibility/2006" xmlns:p14="http://schemas.microsoft.com/office/powerpoint/2010/main">
-          <mc:Choice Requires="p14">
-            <p:contentPart p14:bwMode="auto" r:id="rId106">
-              <p14:nvContentPartPr>
-                <p14:cNvPr id="24" name="Ink 23">
-                  <a:extLst>
-                    <a:ext uri="{FF2B5EF4-FFF2-40B4-BE49-F238E27FC236}">
-                      <a16:creationId xmlns:a16="http://schemas.microsoft.com/office/drawing/2014/main" id="{8A369843-6DB3-4B5D-BC2A-15CF940115B5}"/>
-                    </a:ext>
-                  </a:extLst>
-                </p14:cNvPr>
-                <p14:cNvContentPartPr/>
-                <p14:nvPr/>
-              </p14:nvContentPartPr>
-              <p14:xfrm>
-                <a:off x="4957849" y="2015179"/>
-                <a:ext cx="172080" cy="109080"/>
-              </p14:xfrm>
-            </p:contentPart>
-          </mc:Choice>
-          <mc:Fallback xmlns="">
-            <p:pic>
-              <p:nvPicPr>
-                <p:cNvPr id="24" name="Ink 23">
-                  <a:extLst>
-                    <a:ext uri="{FF2B5EF4-FFF2-40B4-BE49-F238E27FC236}">
-                      <a16:creationId xmlns:a16="http://schemas.microsoft.com/office/drawing/2014/main" id="{8A369843-6DB3-4B5D-BC2A-15CF940115B5}"/>
-                    </a:ext>
-                  </a:extLst>
-                </p:cNvPr>
-                <p:cNvPicPr/>
-                <p:nvPr/>
-              </p:nvPicPr>
-              <p:blipFill>
-                <a:blip r:embed="rId107"/>
-                <a:stretch>
-                  <a:fillRect/>
-                </a:stretch>
-              </p:blipFill>
-              <p:spPr>
-                <a:xfrm>
-                  <a:off x="4948849" y="2006539"/>
-                  <a:ext cx="189720" cy="126720"/>
-                </a:xfrm>
-                <a:prstGeom prst="rect">
-                  <a:avLst/>
-                </a:prstGeom>
-              </p:spPr>
-            </p:pic>
-          </mc:Fallback>
-        </mc:AlternateContent>
-      </p:grpSp>
-      <p:grpSp>
-        <p:nvGrpSpPr>
-          <p:cNvPr id="27" name="Group 26">
-            <a:extLst>
-              <a:ext uri="{FF2B5EF4-FFF2-40B4-BE49-F238E27FC236}">
-                <a16:creationId xmlns:a16="http://schemas.microsoft.com/office/drawing/2014/main" id="{4085AE0D-8C6E-428F-8EBC-8D30BDA79A05}"/>
-              </a:ext>
-            </a:extLst>
-          </p:cNvPr>
-          <p:cNvGrpSpPr/>
-          <p:nvPr/>
-        </p:nvGrpSpPr>
-        <p:grpSpPr>
-          <a:xfrm>
-            <a:off x="5582809" y="1844899"/>
-            <a:ext cx="156240" cy="295920"/>
-            <a:chOff x="5582809" y="1844899"/>
-            <a:chExt cx="156240" cy="295920"/>
-          </a:xfrm>
-        </p:grpSpPr>
-        <mc:AlternateContent xmlns:mc="http://schemas.openxmlformats.org/markup-compatibility/2006" xmlns:p14="http://schemas.microsoft.com/office/powerpoint/2010/main">
-          <mc:Choice Requires="p14">
-            <p:contentPart p14:bwMode="auto" r:id="rId108">
-              <p14:nvContentPartPr>
-                <p14:cNvPr id="25" name="Ink 24">
-                  <a:extLst>
-                    <a:ext uri="{FF2B5EF4-FFF2-40B4-BE49-F238E27FC236}">
-                      <a16:creationId xmlns:a16="http://schemas.microsoft.com/office/drawing/2014/main" id="{1BADE0F2-7225-4F80-901A-673F2501B765}"/>
-                    </a:ext>
-                  </a:extLst>
-                </p14:cNvPr>
-                <p14:cNvContentPartPr/>
-                <p14:nvPr/>
-              </p14:nvContentPartPr>
-              <p14:xfrm>
-                <a:off x="5582809" y="1886299"/>
-                <a:ext cx="29520" cy="219240"/>
-              </p14:xfrm>
-            </p:contentPart>
-          </mc:Choice>
-          <mc:Fallback xmlns="">
-            <p:pic>
-              <p:nvPicPr>
-                <p:cNvPr id="25" name="Ink 24">
-                  <a:extLst>
-                    <a:ext uri="{FF2B5EF4-FFF2-40B4-BE49-F238E27FC236}">
-                      <a16:creationId xmlns:a16="http://schemas.microsoft.com/office/drawing/2014/main" id="{1BADE0F2-7225-4F80-901A-673F2501B765}"/>
-                    </a:ext>
-                  </a:extLst>
-                </p:cNvPr>
-                <p:cNvPicPr/>
-                <p:nvPr/>
-              </p:nvPicPr>
-              <p:blipFill>
-                <a:blip r:embed="rId109"/>
-                <a:stretch>
-                  <a:fillRect/>
-                </a:stretch>
-              </p:blipFill>
-              <p:spPr>
-                <a:xfrm>
-                  <a:off x="5573809" y="1877659"/>
-                  <a:ext cx="47160" cy="236880"/>
-                </a:xfrm>
-                <a:prstGeom prst="rect">
-                  <a:avLst/>
-                </a:prstGeom>
-              </p:spPr>
-            </p:pic>
-          </mc:Fallback>
-        </mc:AlternateContent>
-        <mc:AlternateContent xmlns:mc="http://schemas.openxmlformats.org/markup-compatibility/2006" xmlns:p14="http://schemas.microsoft.com/office/powerpoint/2010/main">
-          <mc:Choice Requires="p14">
-            <p:contentPart p14:bwMode="auto" r:id="rId110">
-              <p14:nvContentPartPr>
-                <p14:cNvPr id="26" name="Ink 25">
-                  <a:extLst>
-                    <a:ext uri="{FF2B5EF4-FFF2-40B4-BE49-F238E27FC236}">
-                      <a16:creationId xmlns:a16="http://schemas.microsoft.com/office/drawing/2014/main" id="{F9E43765-091C-4AD0-9F85-3FBCD82D0877}"/>
-                    </a:ext>
-                  </a:extLst>
-                </p14:cNvPr>
-                <p14:cNvContentPartPr/>
-                <p14:nvPr/>
-              </p14:nvContentPartPr>
-              <p14:xfrm>
-                <a:off x="5700889" y="1844899"/>
-                <a:ext cx="38160" cy="295920"/>
-              </p14:xfrm>
-            </p:contentPart>
-          </mc:Choice>
-          <mc:Fallback xmlns="">
-            <p:pic>
-              <p:nvPicPr>
-                <p:cNvPr id="26" name="Ink 25">
-                  <a:extLst>
-                    <a:ext uri="{FF2B5EF4-FFF2-40B4-BE49-F238E27FC236}">
-                      <a16:creationId xmlns:a16="http://schemas.microsoft.com/office/drawing/2014/main" id="{F9E43765-091C-4AD0-9F85-3FBCD82D0877}"/>
-                    </a:ext>
-                  </a:extLst>
-                </p:cNvPr>
-                <p:cNvPicPr/>
-                <p:nvPr/>
-              </p:nvPicPr>
-              <p:blipFill>
-                <a:blip r:embed="rId111"/>
-                <a:stretch>
-                  <a:fillRect/>
-                </a:stretch>
-              </p:blipFill>
-              <p:spPr>
-                <a:xfrm>
-                  <a:off x="5691889" y="1835899"/>
-                  <a:ext cx="55800" cy="313560"/>
-                </a:xfrm>
-                <a:prstGeom prst="rect">
-                  <a:avLst/>
-                </a:prstGeom>
-              </p:spPr>
-            </p:pic>
-          </mc:Fallback>
-        </mc:AlternateContent>
-      </p:grpSp>
     </p:spTree>
     <p:extLst>
       <p:ext uri="{BB962C8B-B14F-4D97-AF65-F5344CB8AC3E}">
